--- a/CPP(2~12)/11_난수생성, 파일분리.pptx
+++ b/CPP(2~12)/11_난수생성, 파일분리.pptx
@@ -208,7 +208,7 @@
           <a:p>
             <a:fld id="{2229C11E-4EF0-425E-89BA-56B170901842}" type="datetimeFigureOut">
               <a:rPr lang="ko-KR" altLang="en-US" smtClean="0"/>
-              <a:t>2023-07-28</a:t>
+              <a:t>2024-01-31</a:t>
             </a:fld>
             <a:endParaRPr lang="ko-KR" altLang="en-US"/>
           </a:p>
@@ -828,7 +828,7 @@
           <a:p>
             <a:fld id="{9C6F2426-F011-4048-96E6-328581C59A1B}" type="datetimeFigureOut">
               <a:rPr lang="ko-KR" altLang="en-US" smtClean="0"/>
-              <a:t>2023-07-28</a:t>
+              <a:t>2024-01-31</a:t>
             </a:fld>
             <a:endParaRPr lang="ko-KR" altLang="en-US"/>
           </a:p>
@@ -1026,7 +1026,7 @@
           <a:p>
             <a:fld id="{9C6F2426-F011-4048-96E6-328581C59A1B}" type="datetimeFigureOut">
               <a:rPr lang="ko-KR" altLang="en-US" smtClean="0"/>
-              <a:t>2023-07-28</a:t>
+              <a:t>2024-01-31</a:t>
             </a:fld>
             <a:endParaRPr lang="ko-KR" altLang="en-US"/>
           </a:p>
@@ -1234,7 +1234,7 @@
           <a:p>
             <a:fld id="{9C6F2426-F011-4048-96E6-328581C59A1B}" type="datetimeFigureOut">
               <a:rPr lang="ko-KR" altLang="en-US" smtClean="0"/>
-              <a:t>2023-07-28</a:t>
+              <a:t>2024-01-31</a:t>
             </a:fld>
             <a:endParaRPr lang="ko-KR" altLang="en-US"/>
           </a:p>
@@ -1432,7 +1432,7 @@
           <a:p>
             <a:fld id="{9C6F2426-F011-4048-96E6-328581C59A1B}" type="datetimeFigureOut">
               <a:rPr lang="ko-KR" altLang="en-US" smtClean="0"/>
-              <a:t>2023-07-28</a:t>
+              <a:t>2024-01-31</a:t>
             </a:fld>
             <a:endParaRPr lang="ko-KR" altLang="en-US"/>
           </a:p>
@@ -1707,7 +1707,7 @@
           <a:p>
             <a:fld id="{9C6F2426-F011-4048-96E6-328581C59A1B}" type="datetimeFigureOut">
               <a:rPr lang="ko-KR" altLang="en-US" smtClean="0"/>
-              <a:t>2023-07-28</a:t>
+              <a:t>2024-01-31</a:t>
             </a:fld>
             <a:endParaRPr lang="ko-KR" altLang="en-US"/>
           </a:p>
@@ -1972,7 +1972,7 @@
           <a:p>
             <a:fld id="{9C6F2426-F011-4048-96E6-328581C59A1B}" type="datetimeFigureOut">
               <a:rPr lang="ko-KR" altLang="en-US" smtClean="0"/>
-              <a:t>2023-07-28</a:t>
+              <a:t>2024-01-31</a:t>
             </a:fld>
             <a:endParaRPr lang="ko-KR" altLang="en-US"/>
           </a:p>
@@ -2384,7 +2384,7 @@
           <a:p>
             <a:fld id="{9C6F2426-F011-4048-96E6-328581C59A1B}" type="datetimeFigureOut">
               <a:rPr lang="ko-KR" altLang="en-US" smtClean="0"/>
-              <a:t>2023-07-28</a:t>
+              <a:t>2024-01-31</a:t>
             </a:fld>
             <a:endParaRPr lang="ko-KR" altLang="en-US"/>
           </a:p>
@@ -2525,7 +2525,7 @@
           <a:p>
             <a:fld id="{9C6F2426-F011-4048-96E6-328581C59A1B}" type="datetimeFigureOut">
               <a:rPr lang="ko-KR" altLang="en-US" smtClean="0"/>
-              <a:t>2023-07-28</a:t>
+              <a:t>2024-01-31</a:t>
             </a:fld>
             <a:endParaRPr lang="ko-KR" altLang="en-US"/>
           </a:p>
@@ -2638,7 +2638,7 @@
           <a:p>
             <a:fld id="{9C6F2426-F011-4048-96E6-328581C59A1B}" type="datetimeFigureOut">
               <a:rPr lang="ko-KR" altLang="en-US" smtClean="0"/>
-              <a:t>2023-07-28</a:t>
+              <a:t>2024-01-31</a:t>
             </a:fld>
             <a:endParaRPr lang="ko-KR" altLang="en-US"/>
           </a:p>
@@ -2949,7 +2949,7 @@
           <a:p>
             <a:fld id="{9C6F2426-F011-4048-96E6-328581C59A1B}" type="datetimeFigureOut">
               <a:rPr lang="ko-KR" altLang="en-US" smtClean="0"/>
-              <a:t>2023-07-28</a:t>
+              <a:t>2024-01-31</a:t>
             </a:fld>
             <a:endParaRPr lang="ko-KR" altLang="en-US"/>
           </a:p>
@@ -3237,7 +3237,7 @@
           <a:p>
             <a:fld id="{9C6F2426-F011-4048-96E6-328581C59A1B}" type="datetimeFigureOut">
               <a:rPr lang="ko-KR" altLang="en-US" smtClean="0"/>
-              <a:t>2023-07-28</a:t>
+              <a:t>2024-01-31</a:t>
             </a:fld>
             <a:endParaRPr lang="ko-KR" altLang="en-US"/>
           </a:p>
@@ -3478,7 +3478,7 @@
           <a:p>
             <a:fld id="{9C6F2426-F011-4048-96E6-328581C59A1B}" type="datetimeFigureOut">
               <a:rPr lang="ko-KR" altLang="en-US" smtClean="0"/>
-              <a:t>2023-07-28</a:t>
+              <a:t>2024-01-31</a:t>
             </a:fld>
             <a:endParaRPr lang="ko-KR" altLang="en-US"/>
           </a:p>
@@ -3911,12 +3911,7 @@
             <p:ph type="ctrTitle"/>
           </p:nvPr>
         </p:nvSpPr>
-        <p:spPr>
-          <a:xfrm>
-            <a:off x="1524000" y="1122363"/>
-            <a:ext cx="9144000" cy="2387600"/>
-          </a:xfrm>
-        </p:spPr>
+        <p:spPr/>
         <p:txBody>
           <a:bodyPr/>
           <a:lstStyle/>
@@ -3964,7 +3959,7 @@
         </p:nvSpPr>
         <p:spPr>
           <a:xfrm>
-            <a:off x="6127149" y="3664694"/>
+            <a:off x="6127149" y="3673083"/>
             <a:ext cx="3320782" cy="530087"/>
           </a:xfrm>
         </p:spPr>
@@ -3977,16 +3972,28 @@
               <a:rPr lang="ko-KR" altLang="en-US" b="1" dirty="0">
                 <a:latin typeface="Arial Rounded MT Bold" panose="020F0704030504030204" pitchFamily="34" charset="0"/>
               </a:rPr>
-              <a:t>스마트 팩토리 </a:t>
-            </a:r>
-            <a:r>
-              <a:rPr lang="en-US" altLang="ko-KR" b="1">
+              <a:t>스마트 </a:t>
+            </a:r>
+            <a:r>
+              <a:rPr lang="ko-KR" altLang="en-US" b="1" dirty="0" err="1">
                 <a:latin typeface="Arial Rounded MT Bold" panose="020F0704030504030204" pitchFamily="34" charset="0"/>
               </a:rPr>
-              <a:t>3</a:t>
-            </a:r>
-            <a:r>
-              <a:rPr lang="ko-KR" altLang="en-US" b="1">
+              <a:t>팩토리</a:t>
+            </a:r>
+            <a:r>
+              <a:rPr lang="ko-KR" altLang="en-US" b="1" dirty="0">
+                <a:latin typeface="Arial Rounded MT Bold" panose="020F0704030504030204" pitchFamily="34" charset="0"/>
+              </a:rPr>
+              <a:t> </a:t>
+            </a:r>
+            <a:r>
+              <a:rPr lang="en-US" altLang="ko-KR" b="1" dirty="0" smtClean="0">
+                <a:latin typeface="Arial Rounded MT Bold" panose="020F0704030504030204" pitchFamily="34" charset="0"/>
+              </a:rPr>
+              <a:t>4</a:t>
+            </a:r>
+            <a:r>
+              <a:rPr lang="ko-KR" altLang="en-US" b="1" dirty="0" smtClean="0">
                 <a:latin typeface="Arial Rounded MT Bold" panose="020F0704030504030204" pitchFamily="34" charset="0"/>
               </a:rPr>
               <a:t>기</a:t>
@@ -5800,12 +5807,7 @@
             <p:ph type="title"/>
           </p:nvPr>
         </p:nvSpPr>
-        <p:spPr>
-          <a:xfrm>
-            <a:off x="838200" y="365125"/>
-            <a:ext cx="10515600" cy="1325563"/>
-          </a:xfrm>
-        </p:spPr>
+        <p:spPr/>
         <p:txBody>
           <a:bodyPr/>
           <a:lstStyle/>
